--- a/assets/RabbitMQ.pptx
+++ b/assets/RabbitMQ.pptx
@@ -5,12 +5,13 @@
     <p:sldMasterId id="2147483660" r:id="rId1"/>
   </p:sldMasterIdLst>
   <p:notesMasterIdLst>
-    <p:notesMasterId r:id="rId5"/>
+    <p:notesMasterId r:id="rId6"/>
   </p:notesMasterIdLst>
   <p:sldIdLst>
     <p:sldId id="534" r:id="rId2"/>
     <p:sldId id="536" r:id="rId3"/>
-    <p:sldId id="535" r:id="rId4"/>
+    <p:sldId id="537" r:id="rId4"/>
+    <p:sldId id="535" r:id="rId5"/>
   </p:sldIdLst>
   <p:sldSz cx="12192000" cy="6858000"/>
   <p:notesSz cx="6858000" cy="9144000"/>
@@ -2877,10 +2878,9 @@
           <a:lstStyle/>
           <a:p>
             <a:r>
-              <a:rPr lang="en-US"/>
+              <a:rPr lang="en-US" dirty="0"/>
               <a:t>Reference</a:t>
             </a:r>
-            <a:endParaRPr lang="en-US" dirty="0"/>
           </a:p>
         </p:txBody>
       </p:sp>
@@ -4049,9 +4049,24 @@
           <a:lstStyle/>
           <a:p>
             <a:r>
-              <a:rPr lang="en-US" dirty="0"/>
+              <a:rPr lang="en-US" dirty="0">
+                <a:hlinkClick r:id="rId2"/>
+              </a:rPr>
               <a:t>https://www.youtube.com/watch?v=w84uFSwulBI</a:t>
             </a:r>
+            <a:endParaRPr lang="en-US" dirty="0"/>
+          </a:p>
+          <a:p>
+            <a:r>
+              <a:rPr lang="en-US" dirty="0">
+                <a:hlinkClick r:id="rId3"/>
+              </a:rPr>
+              <a:t>https://www.c-sharpcorner.com/article/rabbitmq-message-queue-using-net-core-6-web-api/</a:t>
+            </a:r>
+            <a:endParaRPr lang="en-US" dirty="0"/>
+          </a:p>
+          <a:p>
+            <a:endParaRPr lang="en-US" dirty="0"/>
           </a:p>
         </p:txBody>
       </p:sp>
@@ -4113,6 +4128,10 @@
           </a:bodyPr>
           <a:lstStyle/>
           <a:p>
+            <a:r>
+              <a:rPr lang="en-US" dirty="0"/>
+              <a:t>DOT NET CORE RABBIT MQ PRODUCER</a:t>
+            </a:r>
             <a:endParaRPr lang="en-IN" dirty="0"/>
           </a:p>
         </p:txBody>
@@ -4139,8 +4158,8 @@
         </p:blipFill>
         <p:spPr>
           <a:xfrm>
-            <a:off x="484992" y="908720"/>
-            <a:ext cx="11222016" cy="2193580"/>
+            <a:off x="551384" y="1052736"/>
+            <a:ext cx="10873208" cy="2193580"/>
           </a:xfrm>
           <a:prstGeom prst="rect">
             <a:avLst/>
@@ -4170,7 +4189,7 @@
         <p:spPr>
           <a:xfrm>
             <a:off x="551384" y="3102300"/>
-            <a:ext cx="11155624" cy="3406428"/>
+            <a:ext cx="10873208" cy="3406428"/>
           </a:xfrm>
           <a:prstGeom prst="rect">
             <a:avLst/>
@@ -4191,6 +4210,66 @@
 </file>
 
 <file path=ppt/slides/slide3.xml><?xml version="1.0" encoding="utf-8"?>
+<p:sld xmlns:a="http://schemas.openxmlformats.org/drawingml/2006/main" xmlns:r="http://schemas.openxmlformats.org/officeDocument/2006/relationships" xmlns:p="http://schemas.openxmlformats.org/presentationml/2006/main">
+  <p:cSld>
+    <p:spTree>
+      <p:nvGrpSpPr>
+        <p:cNvPr id="1" name=""/>
+        <p:cNvGrpSpPr/>
+        <p:nvPr/>
+      </p:nvGrpSpPr>
+      <p:grpSpPr>
+        <a:xfrm>
+          <a:off x="0" y="0"/>
+          <a:ext cx="0" cy="0"/>
+          <a:chOff x="0" y="0"/>
+          <a:chExt cx="0" cy="0"/>
+        </a:xfrm>
+      </p:grpSpPr>
+      <p:pic>
+        <p:nvPicPr>
+          <p:cNvPr id="7" name="Picture 6">
+            <a:extLst>
+              <a:ext uri="{FF2B5EF4-FFF2-40B4-BE49-F238E27FC236}">
+                <a16:creationId xmlns:a16="http://schemas.microsoft.com/office/drawing/2014/main" id="{4816F371-EAE6-D4A8-3DA1-094E028A2F67}"/>
+              </a:ext>
+            </a:extLst>
+          </p:cNvPr>
+          <p:cNvPicPr>
+            <a:picLocks noChangeAspect="1"/>
+          </p:cNvPicPr>
+          <p:nvPr/>
+        </p:nvPicPr>
+        <p:blipFill>
+          <a:blip r:embed="rId2"/>
+          <a:stretch>
+            <a:fillRect/>
+          </a:stretch>
+        </p:blipFill>
+        <p:spPr>
+          <a:xfrm>
+            <a:off x="0" y="270553"/>
+            <a:ext cx="12192000" cy="6316894"/>
+          </a:xfrm>
+          <a:prstGeom prst="rect">
+            <a:avLst/>
+          </a:prstGeom>
+        </p:spPr>
+      </p:pic>
+    </p:spTree>
+    <p:extLst>
+      <p:ext uri="{BB962C8B-B14F-4D97-AF65-F5344CB8AC3E}">
+        <p14:creationId xmlns:p14="http://schemas.microsoft.com/office/powerpoint/2010/main" val="1848985974"/>
+      </p:ext>
+    </p:extLst>
+  </p:cSld>
+  <p:clrMapOvr>
+    <a:masterClrMapping/>
+  </p:clrMapOvr>
+</p:sld>
+</file>
+
+<file path=ppt/slides/slide4.xml><?xml version="1.0" encoding="utf-8"?>
 <p:sld xmlns:a="http://schemas.openxmlformats.org/drawingml/2006/main" xmlns:r="http://schemas.openxmlformats.org/officeDocument/2006/relationships" xmlns:p="http://schemas.openxmlformats.org/presentationml/2006/main">
   <p:cSld>
     <p:bg>

--- a/assets/RabbitMQ.pptx
+++ b/assets/RabbitMQ.pptx
@@ -5,13 +5,11 @@
     <p:sldMasterId id="2147483660" r:id="rId1"/>
   </p:sldMasterIdLst>
   <p:notesMasterIdLst>
-    <p:notesMasterId r:id="rId6"/>
+    <p:notesMasterId r:id="rId4"/>
   </p:notesMasterIdLst>
   <p:sldIdLst>
-    <p:sldId id="534" r:id="rId2"/>
-    <p:sldId id="536" r:id="rId3"/>
-    <p:sldId id="537" r:id="rId4"/>
-    <p:sldId id="535" r:id="rId5"/>
+    <p:sldId id="536" r:id="rId2"/>
+    <p:sldId id="537" r:id="rId3"/>
   </p:sldIdLst>
   <p:sldSz cx="12192000" cy="6858000"/>
   <p:notesSz cx="6858000" cy="9144000"/>
@@ -212,7 +210,7 @@
             <a:fld id="{C1FBD400-178C-4E46-8B1C-98070CB60EB4}" type="datetimeFigureOut">
               <a:rPr lang="en-US" smtClean="0"/>
               <a:pPr/>
-              <a:t>6/22/2024</a:t>
+              <a:t>6/23/2024</a:t>
             </a:fld>
             <a:endParaRPr lang="en-US"/>
           </a:p>
@@ -2342,7 +2340,7 @@
           <a:p>
             <a:fld id="{6EBB0E32-0304-4451-ADB8-C044457D5B85}" type="datetimeFigureOut">
               <a:rPr lang="en-US" smtClean="0"/>
-              <a:t>6/22/2024</a:t>
+              <a:t>6/23/2024</a:t>
             </a:fld>
             <a:endParaRPr lang="en-US"/>
           </a:p>
@@ -2859,1252 +2857,6 @@
           <p:cNvPr id="2" name="Title 1">
             <a:extLst>
               <a:ext uri="{FF2B5EF4-FFF2-40B4-BE49-F238E27FC236}">
-                <a16:creationId xmlns:a16="http://schemas.microsoft.com/office/drawing/2014/main" id="{7396E848-9FB0-654A-8B14-1F32B945CDC1}"/>
-              </a:ext>
-            </a:extLst>
-          </p:cNvPr>
-          <p:cNvSpPr>
-            <a:spLocks noGrp="1"/>
-          </p:cNvSpPr>
-          <p:nvPr>
-            <p:ph type="title"/>
-          </p:nvPr>
-        </p:nvSpPr>
-        <p:spPr/>
-        <p:txBody>
-          <a:bodyPr>
-            <a:normAutofit fontScale="90000"/>
-          </a:bodyPr>
-          <a:lstStyle/>
-          <a:p>
-            <a:r>
-              <a:rPr lang="en-US" dirty="0"/>
-              <a:t>Reference</a:t>
-            </a:r>
-          </a:p>
-        </p:txBody>
-      </p:sp>
-      <p:sp>
-        <p:nvSpPr>
-          <p:cNvPr id="33" name="Text Placeholder 32">
-            <a:extLst>
-              <a:ext uri="{FF2B5EF4-FFF2-40B4-BE49-F238E27FC236}">
-                <a16:creationId xmlns:a16="http://schemas.microsoft.com/office/drawing/2014/main" id="{EE81FCB9-63EA-1C43-9A74-D4BB38A6E81C}"/>
-              </a:ext>
-            </a:extLst>
-          </p:cNvPr>
-          <p:cNvSpPr>
-            <a:spLocks noGrp="1"/>
-          </p:cNvSpPr>
-          <p:nvPr>
-            <p:ph type="body" sz="quarter" idx="11"/>
-          </p:nvPr>
-        </p:nvSpPr>
-        <p:spPr/>
-        <p:txBody>
-          <a:bodyPr>
-            <a:normAutofit fontScale="85000" lnSpcReduction="10000"/>
-          </a:bodyPr>
-          <a:lstStyle/>
-          <a:p>
-            <a:endParaRPr lang="en-US" dirty="0"/>
-          </a:p>
-        </p:txBody>
-      </p:sp>
-      <p:sp>
-        <p:nvSpPr>
-          <p:cNvPr id="34" name="Text Placeholder 33">
-            <a:extLst>
-              <a:ext uri="{FF2B5EF4-FFF2-40B4-BE49-F238E27FC236}">
-                <a16:creationId xmlns:a16="http://schemas.microsoft.com/office/drawing/2014/main" id="{B35C067B-7E7F-3C42-935A-0FB83E3BF178}"/>
-              </a:ext>
-            </a:extLst>
-          </p:cNvPr>
-          <p:cNvSpPr>
-            <a:spLocks noGrp="1"/>
-          </p:cNvSpPr>
-          <p:nvPr>
-            <p:ph type="body" sz="quarter" idx="12"/>
-          </p:nvPr>
-        </p:nvSpPr>
-        <p:spPr/>
-        <p:txBody>
-          <a:bodyPr/>
-          <a:lstStyle/>
-          <a:p>
-            <a:endParaRPr lang="en-US" dirty="0"/>
-          </a:p>
-        </p:txBody>
-      </p:sp>
-      <p:sp>
-        <p:nvSpPr>
-          <p:cNvPr id="43" name="Oval 42" descr="Circle"/>
-          <p:cNvSpPr/>
-          <p:nvPr/>
-        </p:nvSpPr>
-        <p:spPr>
-          <a:xfrm>
-            <a:off x="457200" y="2203174"/>
-            <a:ext cx="927652" cy="927652"/>
-          </a:xfrm>
-          <a:prstGeom prst="ellipse">
-            <a:avLst/>
-          </a:prstGeom>
-          <a:solidFill>
-            <a:srgbClr val="FFFFFF"/>
-          </a:solidFill>
-          <a:ln w="38100" cmpd="sng">
-            <a:solidFill>
-              <a:schemeClr val="accent6">
-                <a:lumMod val="50000"/>
-              </a:schemeClr>
-            </a:solidFill>
-            <a:tailEnd type="triangle" w="sm" len="sm"/>
-          </a:ln>
-          <a:effectLst/>
-        </p:spPr>
-        <p:style>
-          <a:lnRef idx="2">
-            <a:schemeClr val="accent1"/>
-          </a:lnRef>
-          <a:fillRef idx="0">
-            <a:schemeClr val="accent1"/>
-          </a:fillRef>
-          <a:effectRef idx="1">
-            <a:schemeClr val="accent1"/>
-          </a:effectRef>
-          <a:fontRef idx="minor">
-            <a:schemeClr val="tx1"/>
-          </a:fontRef>
-        </p:style>
-        <p:txBody>
-          <a:bodyPr lIns="0" tIns="0" rIns="0" bIns="0" rtlCol="0" anchor="ctr"/>
-          <a:lstStyle/>
-          <a:p>
-            <a:pPr algn="ctr">
-              <a:lnSpc>
-                <a:spcPct val="85000"/>
-              </a:lnSpc>
-            </a:pPr>
-            <a:endParaRPr lang="en-US" sz="1200" dirty="0">
-              <a:solidFill>
-                <a:srgbClr val="303030"/>
-              </a:solidFill>
-              <a:latin typeface="+mj-lt"/>
-              <a:cs typeface="Arial Narrow"/>
-            </a:endParaRPr>
-          </a:p>
-        </p:txBody>
-      </p:sp>
-      <p:sp>
-        <p:nvSpPr>
-          <p:cNvPr id="41" name="Text Placeholder 40">
-            <a:extLst>
-              <a:ext uri="{FF2B5EF4-FFF2-40B4-BE49-F238E27FC236}">
-                <a16:creationId xmlns:a16="http://schemas.microsoft.com/office/drawing/2014/main" id="{A003D267-0777-5F4A-845F-94119C5D0B54}"/>
-              </a:ext>
-            </a:extLst>
-          </p:cNvPr>
-          <p:cNvSpPr>
-            <a:spLocks noGrp="1"/>
-          </p:cNvSpPr>
-          <p:nvPr>
-            <p:ph type="body" sz="quarter" idx="19"/>
-          </p:nvPr>
-        </p:nvSpPr>
-        <p:spPr/>
-        <p:txBody>
-          <a:bodyPr/>
-          <a:lstStyle/>
-          <a:p>
-            <a:endParaRPr lang="en-US" dirty="0"/>
-          </a:p>
-        </p:txBody>
-      </p:sp>
-      <p:sp>
-        <p:nvSpPr>
-          <p:cNvPr id="35" name="Text Placeholder 34">
-            <a:extLst>
-              <a:ext uri="{FF2B5EF4-FFF2-40B4-BE49-F238E27FC236}">
-                <a16:creationId xmlns:a16="http://schemas.microsoft.com/office/drawing/2014/main" id="{64E7D462-E4A4-1849-9F1C-5DBFD1925F31}"/>
-              </a:ext>
-            </a:extLst>
-          </p:cNvPr>
-          <p:cNvSpPr>
-            <a:spLocks noGrp="1"/>
-          </p:cNvSpPr>
-          <p:nvPr>
-            <p:ph type="body" sz="quarter" idx="13"/>
-          </p:nvPr>
-        </p:nvSpPr>
-        <p:spPr/>
-        <p:txBody>
-          <a:bodyPr>
-            <a:normAutofit fontScale="85000" lnSpcReduction="10000"/>
-          </a:bodyPr>
-          <a:lstStyle/>
-          <a:p>
-            <a:endParaRPr lang="en-US" dirty="0"/>
-          </a:p>
-        </p:txBody>
-      </p:sp>
-      <p:sp>
-        <p:nvSpPr>
-          <p:cNvPr id="36" name="Text Placeholder 35">
-            <a:extLst>
-              <a:ext uri="{FF2B5EF4-FFF2-40B4-BE49-F238E27FC236}">
-                <a16:creationId xmlns:a16="http://schemas.microsoft.com/office/drawing/2014/main" id="{CF7B7C86-7834-B241-8CFF-9B8A2EBAE08F}"/>
-              </a:ext>
-            </a:extLst>
-          </p:cNvPr>
-          <p:cNvSpPr>
-            <a:spLocks noGrp="1"/>
-          </p:cNvSpPr>
-          <p:nvPr>
-            <p:ph type="body" sz="quarter" idx="14"/>
-          </p:nvPr>
-        </p:nvSpPr>
-        <p:spPr/>
-        <p:txBody>
-          <a:bodyPr/>
-          <a:lstStyle/>
-          <a:p>
-            <a:endParaRPr lang="en-US" dirty="0"/>
-          </a:p>
-        </p:txBody>
-      </p:sp>
-      <p:sp>
-        <p:nvSpPr>
-          <p:cNvPr id="44" name="Oval 43" descr="Circle"/>
-          <p:cNvSpPr/>
-          <p:nvPr/>
-        </p:nvSpPr>
-        <p:spPr>
-          <a:xfrm>
-            <a:off x="2044148" y="2203174"/>
-            <a:ext cx="927652" cy="927652"/>
-          </a:xfrm>
-          <a:prstGeom prst="ellipse">
-            <a:avLst/>
-          </a:prstGeom>
-          <a:solidFill>
-            <a:srgbClr val="FFFFFF"/>
-          </a:solidFill>
-          <a:ln w="38100" cmpd="sng">
-            <a:solidFill>
-              <a:schemeClr val="accent6">
-                <a:lumMod val="50000"/>
-              </a:schemeClr>
-            </a:solidFill>
-            <a:tailEnd type="triangle" w="sm" len="sm"/>
-          </a:ln>
-          <a:effectLst/>
-        </p:spPr>
-        <p:style>
-          <a:lnRef idx="2">
-            <a:schemeClr val="accent1"/>
-          </a:lnRef>
-          <a:fillRef idx="0">
-            <a:schemeClr val="accent1"/>
-          </a:fillRef>
-          <a:effectRef idx="1">
-            <a:schemeClr val="accent1"/>
-          </a:effectRef>
-          <a:fontRef idx="minor">
-            <a:schemeClr val="tx1"/>
-          </a:fontRef>
-        </p:style>
-        <p:txBody>
-          <a:bodyPr lIns="0" tIns="0" rIns="0" bIns="0" rtlCol="0" anchor="ctr"/>
-          <a:lstStyle/>
-          <a:p>
-            <a:pPr algn="ctr">
-              <a:lnSpc>
-                <a:spcPct val="85000"/>
-              </a:lnSpc>
-            </a:pPr>
-            <a:endParaRPr lang="en-US" sz="1200" dirty="0">
-              <a:solidFill>
-                <a:srgbClr val="303030"/>
-              </a:solidFill>
-              <a:latin typeface="+mj-lt"/>
-              <a:cs typeface="Arial Narrow"/>
-            </a:endParaRPr>
-          </a:p>
-        </p:txBody>
-      </p:sp>
-      <p:sp>
-        <p:nvSpPr>
-          <p:cNvPr id="42" name="Text Placeholder 41">
-            <a:extLst>
-              <a:ext uri="{FF2B5EF4-FFF2-40B4-BE49-F238E27FC236}">
-                <a16:creationId xmlns:a16="http://schemas.microsoft.com/office/drawing/2014/main" id="{4E2D31AF-6642-F340-9DCA-2E5E75A80A5F}"/>
-              </a:ext>
-            </a:extLst>
-          </p:cNvPr>
-          <p:cNvSpPr>
-            <a:spLocks noGrp="1"/>
-          </p:cNvSpPr>
-          <p:nvPr>
-            <p:ph type="body" sz="quarter" idx="20"/>
-          </p:nvPr>
-        </p:nvSpPr>
-        <p:spPr/>
-        <p:txBody>
-          <a:bodyPr/>
-          <a:lstStyle/>
-          <a:p>
-            <a:endParaRPr lang="en-US" dirty="0"/>
-          </a:p>
-        </p:txBody>
-      </p:sp>
-      <p:sp>
-        <p:nvSpPr>
-          <p:cNvPr id="45" name="Oval 44" descr="Circle"/>
-          <p:cNvSpPr/>
-          <p:nvPr/>
-        </p:nvSpPr>
-        <p:spPr>
-          <a:xfrm>
-            <a:off x="2895600" y="1676400"/>
-            <a:ext cx="927652" cy="927652"/>
-          </a:xfrm>
-          <a:prstGeom prst="ellipse">
-            <a:avLst/>
-          </a:prstGeom>
-          <a:solidFill>
-            <a:srgbClr val="FFFFFF"/>
-          </a:solidFill>
-          <a:ln w="38100" cmpd="sng">
-            <a:solidFill>
-              <a:schemeClr val="accent6">
-                <a:lumMod val="50000"/>
-              </a:schemeClr>
-            </a:solidFill>
-            <a:tailEnd type="triangle" w="sm" len="sm"/>
-          </a:ln>
-          <a:effectLst/>
-        </p:spPr>
-        <p:style>
-          <a:lnRef idx="2">
-            <a:schemeClr val="accent1"/>
-          </a:lnRef>
-          <a:fillRef idx="0">
-            <a:schemeClr val="accent1"/>
-          </a:fillRef>
-          <a:effectRef idx="1">
-            <a:schemeClr val="accent1"/>
-          </a:effectRef>
-          <a:fontRef idx="minor">
-            <a:schemeClr val="tx1"/>
-          </a:fontRef>
-        </p:style>
-        <p:txBody>
-          <a:bodyPr lIns="0" tIns="0" rIns="0" bIns="0" rtlCol="0" anchor="ctr"/>
-          <a:lstStyle/>
-          <a:p>
-            <a:pPr algn="ctr">
-              <a:lnSpc>
-                <a:spcPct val="85000"/>
-              </a:lnSpc>
-            </a:pPr>
-            <a:endParaRPr lang="en-US" sz="1200" dirty="0">
-              <a:solidFill>
-                <a:srgbClr val="303030"/>
-              </a:solidFill>
-              <a:latin typeface="+mj-lt"/>
-              <a:cs typeface="Arial Narrow"/>
-            </a:endParaRPr>
-          </a:p>
-        </p:txBody>
-      </p:sp>
-      <p:sp>
-        <p:nvSpPr>
-          <p:cNvPr id="55" name="Text Placeholder 54">
-            <a:extLst>
-              <a:ext uri="{FF2B5EF4-FFF2-40B4-BE49-F238E27FC236}">
-                <a16:creationId xmlns:a16="http://schemas.microsoft.com/office/drawing/2014/main" id="{F51433A2-6B2C-8049-9A72-043F874EA46D}"/>
-              </a:ext>
-            </a:extLst>
-          </p:cNvPr>
-          <p:cNvSpPr>
-            <a:spLocks noGrp="1"/>
-          </p:cNvSpPr>
-          <p:nvPr>
-            <p:ph type="body" sz="quarter" idx="22"/>
-          </p:nvPr>
-        </p:nvSpPr>
-        <p:spPr/>
-        <p:txBody>
-          <a:bodyPr/>
-          <a:lstStyle/>
-          <a:p>
-            <a:endParaRPr lang="en-US" dirty="0"/>
-          </a:p>
-        </p:txBody>
-      </p:sp>
-      <p:sp>
-        <p:nvSpPr>
-          <p:cNvPr id="46" name="Oval 45" descr="Circle"/>
-          <p:cNvSpPr/>
-          <p:nvPr/>
-        </p:nvSpPr>
-        <p:spPr>
-          <a:xfrm>
-            <a:off x="3911599" y="1678057"/>
-            <a:ext cx="927652" cy="927652"/>
-          </a:xfrm>
-          <a:prstGeom prst="ellipse">
-            <a:avLst/>
-          </a:prstGeom>
-          <a:solidFill>
-            <a:srgbClr val="FFFFFF"/>
-          </a:solidFill>
-          <a:ln w="38100" cmpd="sng">
-            <a:solidFill>
-              <a:schemeClr val="accent6">
-                <a:lumMod val="50000"/>
-              </a:schemeClr>
-            </a:solidFill>
-            <a:tailEnd type="triangle" w="sm" len="sm"/>
-          </a:ln>
-          <a:effectLst/>
-        </p:spPr>
-        <p:style>
-          <a:lnRef idx="2">
-            <a:schemeClr val="accent1"/>
-          </a:lnRef>
-          <a:fillRef idx="0">
-            <a:schemeClr val="accent1"/>
-          </a:fillRef>
-          <a:effectRef idx="1">
-            <a:schemeClr val="accent1"/>
-          </a:effectRef>
-          <a:fontRef idx="minor">
-            <a:schemeClr val="tx1"/>
-          </a:fontRef>
-        </p:style>
-        <p:txBody>
-          <a:bodyPr lIns="0" tIns="0" rIns="0" bIns="0" rtlCol="0" anchor="ctr"/>
-          <a:lstStyle/>
-          <a:p>
-            <a:pPr algn="ctr">
-              <a:lnSpc>
-                <a:spcPct val="85000"/>
-              </a:lnSpc>
-            </a:pPr>
-            <a:endParaRPr lang="en-US" sz="1200" dirty="0">
-              <a:solidFill>
-                <a:srgbClr val="303030"/>
-              </a:solidFill>
-              <a:latin typeface="+mj-lt"/>
-              <a:cs typeface="Arial Narrow"/>
-            </a:endParaRPr>
-          </a:p>
-        </p:txBody>
-      </p:sp>
-      <p:sp>
-        <p:nvSpPr>
-          <p:cNvPr id="57" name="Text Placeholder 56">
-            <a:extLst>
-              <a:ext uri="{FF2B5EF4-FFF2-40B4-BE49-F238E27FC236}">
-                <a16:creationId xmlns:a16="http://schemas.microsoft.com/office/drawing/2014/main" id="{E2E11BBA-63E5-5748-8DE5-55918A2ABE4D}"/>
-              </a:ext>
-            </a:extLst>
-          </p:cNvPr>
-          <p:cNvSpPr>
-            <a:spLocks noGrp="1"/>
-          </p:cNvSpPr>
-          <p:nvPr>
-            <p:ph type="body" sz="quarter" idx="24"/>
-          </p:nvPr>
-        </p:nvSpPr>
-        <p:spPr/>
-        <p:txBody>
-          <a:bodyPr/>
-          <a:lstStyle/>
-          <a:p>
-            <a:endParaRPr lang="en-US" dirty="0"/>
-          </a:p>
-        </p:txBody>
-      </p:sp>
-      <p:sp>
-        <p:nvSpPr>
-          <p:cNvPr id="48" name="Oval 47" descr="Circle"/>
-          <p:cNvSpPr/>
-          <p:nvPr/>
-        </p:nvSpPr>
-        <p:spPr>
-          <a:xfrm>
-            <a:off x="2895600" y="2726635"/>
-            <a:ext cx="927652" cy="927652"/>
-          </a:xfrm>
-          <a:prstGeom prst="ellipse">
-            <a:avLst/>
-          </a:prstGeom>
-          <a:solidFill>
-            <a:srgbClr val="FFFFFF"/>
-          </a:solidFill>
-          <a:ln w="38100" cmpd="sng">
-            <a:solidFill>
-              <a:schemeClr val="accent6">
-                <a:lumMod val="50000"/>
-              </a:schemeClr>
-            </a:solidFill>
-            <a:tailEnd type="triangle" w="sm" len="sm"/>
-          </a:ln>
-          <a:effectLst/>
-        </p:spPr>
-        <p:style>
-          <a:lnRef idx="2">
-            <a:schemeClr val="accent1"/>
-          </a:lnRef>
-          <a:fillRef idx="0">
-            <a:schemeClr val="accent1"/>
-          </a:fillRef>
-          <a:effectRef idx="1">
-            <a:schemeClr val="accent1"/>
-          </a:effectRef>
-          <a:fontRef idx="minor">
-            <a:schemeClr val="tx1"/>
-          </a:fontRef>
-        </p:style>
-        <p:txBody>
-          <a:bodyPr lIns="0" tIns="0" rIns="0" bIns="0" rtlCol="0" anchor="ctr"/>
-          <a:lstStyle/>
-          <a:p>
-            <a:pPr algn="ctr">
-              <a:lnSpc>
-                <a:spcPct val="85000"/>
-              </a:lnSpc>
-            </a:pPr>
-            <a:endParaRPr lang="en-US" sz="1200" dirty="0">
-              <a:solidFill>
-                <a:srgbClr val="303030"/>
-              </a:solidFill>
-              <a:latin typeface="+mj-lt"/>
-              <a:cs typeface="Arial Narrow"/>
-            </a:endParaRPr>
-          </a:p>
-        </p:txBody>
-      </p:sp>
-      <p:sp>
-        <p:nvSpPr>
-          <p:cNvPr id="50" name="Text Placeholder 49">
-            <a:extLst>
-              <a:ext uri="{FF2B5EF4-FFF2-40B4-BE49-F238E27FC236}">
-                <a16:creationId xmlns:a16="http://schemas.microsoft.com/office/drawing/2014/main" id="{5885920E-2A2D-6740-BF12-3170BF688BD0}"/>
-              </a:ext>
-            </a:extLst>
-          </p:cNvPr>
-          <p:cNvSpPr>
-            <a:spLocks noGrp="1"/>
-          </p:cNvSpPr>
-          <p:nvPr>
-            <p:ph type="body" sz="quarter" idx="21"/>
-          </p:nvPr>
-        </p:nvSpPr>
-        <p:spPr/>
-        <p:txBody>
-          <a:bodyPr/>
-          <a:lstStyle/>
-          <a:p>
-            <a:endParaRPr lang="en-US" dirty="0"/>
-          </a:p>
-        </p:txBody>
-      </p:sp>
-      <p:sp>
-        <p:nvSpPr>
-          <p:cNvPr id="47" name="Oval 46" descr="Circle"/>
-          <p:cNvSpPr/>
-          <p:nvPr/>
-        </p:nvSpPr>
-        <p:spPr>
-          <a:xfrm>
-            <a:off x="3911599" y="2721113"/>
-            <a:ext cx="927652" cy="927652"/>
-          </a:xfrm>
-          <a:prstGeom prst="ellipse">
-            <a:avLst/>
-          </a:prstGeom>
-          <a:solidFill>
-            <a:srgbClr val="FFFFFF"/>
-          </a:solidFill>
-          <a:ln w="38100" cmpd="sng">
-            <a:solidFill>
-              <a:schemeClr val="accent6">
-                <a:lumMod val="50000"/>
-              </a:schemeClr>
-            </a:solidFill>
-            <a:tailEnd type="triangle" w="sm" len="sm"/>
-          </a:ln>
-          <a:effectLst/>
-        </p:spPr>
-        <p:style>
-          <a:lnRef idx="2">
-            <a:schemeClr val="accent1"/>
-          </a:lnRef>
-          <a:fillRef idx="0">
-            <a:schemeClr val="accent1"/>
-          </a:fillRef>
-          <a:effectRef idx="1">
-            <a:schemeClr val="accent1"/>
-          </a:effectRef>
-          <a:fontRef idx="minor">
-            <a:schemeClr val="tx1"/>
-          </a:fontRef>
-        </p:style>
-        <p:txBody>
-          <a:bodyPr lIns="0" tIns="0" rIns="0" bIns="0" rtlCol="0" anchor="ctr"/>
-          <a:lstStyle/>
-          <a:p>
-            <a:pPr algn="ctr">
-              <a:lnSpc>
-                <a:spcPct val="85000"/>
-              </a:lnSpc>
-            </a:pPr>
-            <a:endParaRPr lang="en-US" sz="1200" dirty="0">
-              <a:solidFill>
-                <a:srgbClr val="303030"/>
-              </a:solidFill>
-              <a:latin typeface="+mj-lt"/>
-              <a:cs typeface="Arial Narrow"/>
-            </a:endParaRPr>
-          </a:p>
-        </p:txBody>
-      </p:sp>
-      <p:sp>
-        <p:nvSpPr>
-          <p:cNvPr id="56" name="Text Placeholder 55">
-            <a:extLst>
-              <a:ext uri="{FF2B5EF4-FFF2-40B4-BE49-F238E27FC236}">
-                <a16:creationId xmlns:a16="http://schemas.microsoft.com/office/drawing/2014/main" id="{9F88BEAD-9A99-624F-8D11-9085D215592E}"/>
-              </a:ext>
-            </a:extLst>
-          </p:cNvPr>
-          <p:cNvSpPr>
-            <a:spLocks noGrp="1"/>
-          </p:cNvSpPr>
-          <p:nvPr>
-            <p:ph type="body" sz="quarter" idx="23"/>
-          </p:nvPr>
-        </p:nvSpPr>
-        <p:spPr/>
-        <p:txBody>
-          <a:bodyPr/>
-          <a:lstStyle/>
-          <a:p>
-            <a:endParaRPr lang="en-US" dirty="0"/>
-          </a:p>
-        </p:txBody>
-      </p:sp>
-      <p:sp>
-        <p:nvSpPr>
-          <p:cNvPr id="49" name="Oval 48" descr="Circle"/>
-          <p:cNvSpPr/>
-          <p:nvPr/>
-        </p:nvSpPr>
-        <p:spPr>
-          <a:xfrm>
-            <a:off x="5562600" y="2203174"/>
-            <a:ext cx="927652" cy="927652"/>
-          </a:xfrm>
-          <a:prstGeom prst="ellipse">
-            <a:avLst/>
-          </a:prstGeom>
-          <a:solidFill>
-            <a:srgbClr val="FFFFFF"/>
-          </a:solidFill>
-          <a:ln w="38100" cmpd="sng">
-            <a:solidFill>
-              <a:schemeClr val="accent6">
-                <a:lumMod val="50000"/>
-              </a:schemeClr>
-            </a:solidFill>
-            <a:tailEnd type="triangle" w="sm" len="sm"/>
-          </a:ln>
-          <a:effectLst/>
-        </p:spPr>
-        <p:style>
-          <a:lnRef idx="2">
-            <a:schemeClr val="accent1"/>
-          </a:lnRef>
-          <a:fillRef idx="0">
-            <a:schemeClr val="accent1"/>
-          </a:fillRef>
-          <a:effectRef idx="1">
-            <a:schemeClr val="accent1"/>
-          </a:effectRef>
-          <a:fontRef idx="minor">
-            <a:schemeClr val="tx1"/>
-          </a:fontRef>
-        </p:style>
-        <p:txBody>
-          <a:bodyPr lIns="0" tIns="0" rIns="0" bIns="0" rtlCol="0" anchor="ctr"/>
-          <a:lstStyle/>
-          <a:p>
-            <a:pPr algn="ctr">
-              <a:lnSpc>
-                <a:spcPct val="85000"/>
-              </a:lnSpc>
-            </a:pPr>
-            <a:endParaRPr lang="en-US" sz="1200" dirty="0">
-              <a:solidFill>
-                <a:srgbClr val="303030"/>
-              </a:solidFill>
-              <a:latin typeface="+mj-lt"/>
-              <a:cs typeface="Arial Narrow"/>
-            </a:endParaRPr>
-          </a:p>
-        </p:txBody>
-      </p:sp>
-      <p:sp>
-        <p:nvSpPr>
-          <p:cNvPr id="58" name="Text Placeholder 57">
-            <a:extLst>
-              <a:ext uri="{FF2B5EF4-FFF2-40B4-BE49-F238E27FC236}">
-                <a16:creationId xmlns:a16="http://schemas.microsoft.com/office/drawing/2014/main" id="{B88A2517-FC09-B346-A83D-3816F3C2D40C}"/>
-              </a:ext>
-            </a:extLst>
-          </p:cNvPr>
-          <p:cNvSpPr>
-            <a:spLocks noGrp="1"/>
-          </p:cNvSpPr>
-          <p:nvPr>
-            <p:ph type="body" sz="quarter" idx="25"/>
-          </p:nvPr>
-        </p:nvSpPr>
-        <p:spPr/>
-        <p:txBody>
-          <a:bodyPr/>
-          <a:lstStyle/>
-          <a:p>
-            <a:endParaRPr lang="en-US" dirty="0"/>
-          </a:p>
-        </p:txBody>
-      </p:sp>
-      <p:sp>
-        <p:nvSpPr>
-          <p:cNvPr id="37" name="Text Placeholder 36">
-            <a:extLst>
-              <a:ext uri="{FF2B5EF4-FFF2-40B4-BE49-F238E27FC236}">
-                <a16:creationId xmlns:a16="http://schemas.microsoft.com/office/drawing/2014/main" id="{798A5513-6E52-0F49-B240-72ED62DD73E2}"/>
-              </a:ext>
-            </a:extLst>
-          </p:cNvPr>
-          <p:cNvSpPr>
-            <a:spLocks noGrp="1"/>
-          </p:cNvSpPr>
-          <p:nvPr>
-            <p:ph type="body" sz="quarter" idx="15"/>
-          </p:nvPr>
-        </p:nvSpPr>
-        <p:spPr/>
-        <p:txBody>
-          <a:bodyPr>
-            <a:normAutofit fontScale="85000" lnSpcReduction="10000"/>
-          </a:bodyPr>
-          <a:lstStyle/>
-          <a:p>
-            <a:endParaRPr lang="en-US" dirty="0"/>
-          </a:p>
-        </p:txBody>
-      </p:sp>
-      <p:sp>
-        <p:nvSpPr>
-          <p:cNvPr id="38" name="Text Placeholder 37">
-            <a:extLst>
-              <a:ext uri="{FF2B5EF4-FFF2-40B4-BE49-F238E27FC236}">
-                <a16:creationId xmlns:a16="http://schemas.microsoft.com/office/drawing/2014/main" id="{171B5091-076D-074C-AF4C-744E88723A49}"/>
-              </a:ext>
-            </a:extLst>
-          </p:cNvPr>
-          <p:cNvSpPr>
-            <a:spLocks noGrp="1"/>
-          </p:cNvSpPr>
-          <p:nvPr>
-            <p:ph type="body" sz="quarter" idx="16"/>
-          </p:nvPr>
-        </p:nvSpPr>
-        <p:spPr/>
-        <p:txBody>
-          <a:bodyPr/>
-          <a:lstStyle/>
-          <a:p>
-            <a:endParaRPr lang="en-US" dirty="0"/>
-          </a:p>
-        </p:txBody>
-      </p:sp>
-      <p:sp>
-        <p:nvSpPr>
-          <p:cNvPr id="51" name="Oval 50" descr="Circle"/>
-          <p:cNvSpPr/>
-          <p:nvPr/>
-        </p:nvSpPr>
-        <p:spPr>
-          <a:xfrm>
-            <a:off x="6968434" y="2203174"/>
-            <a:ext cx="927652" cy="927652"/>
-          </a:xfrm>
-          <a:prstGeom prst="ellipse">
-            <a:avLst/>
-          </a:prstGeom>
-          <a:solidFill>
-            <a:srgbClr val="FFFFFF"/>
-          </a:solidFill>
-          <a:ln w="38100" cmpd="sng">
-            <a:solidFill>
-              <a:schemeClr val="accent6">
-                <a:lumMod val="50000"/>
-              </a:schemeClr>
-            </a:solidFill>
-            <a:tailEnd type="triangle" w="sm" len="sm"/>
-          </a:ln>
-          <a:effectLst/>
-        </p:spPr>
-        <p:style>
-          <a:lnRef idx="2">
-            <a:schemeClr val="accent1"/>
-          </a:lnRef>
-          <a:fillRef idx="0">
-            <a:schemeClr val="accent1"/>
-          </a:fillRef>
-          <a:effectRef idx="1">
-            <a:schemeClr val="accent1"/>
-          </a:effectRef>
-          <a:fontRef idx="minor">
-            <a:schemeClr val="tx1"/>
-          </a:fontRef>
-        </p:style>
-        <p:txBody>
-          <a:bodyPr lIns="0" tIns="0" rIns="0" bIns="0" rtlCol="0" anchor="ctr"/>
-          <a:lstStyle/>
-          <a:p>
-            <a:pPr algn="ctr">
-              <a:lnSpc>
-                <a:spcPct val="85000"/>
-              </a:lnSpc>
-            </a:pPr>
-            <a:endParaRPr lang="en-US" sz="1200" dirty="0">
-              <a:solidFill>
-                <a:srgbClr val="303030"/>
-              </a:solidFill>
-              <a:latin typeface="+mj-lt"/>
-              <a:cs typeface="Arial Narrow"/>
-            </a:endParaRPr>
-          </a:p>
-        </p:txBody>
-      </p:sp>
-      <p:sp>
-        <p:nvSpPr>
-          <p:cNvPr id="59" name="Text Placeholder 58">
-            <a:extLst>
-              <a:ext uri="{FF2B5EF4-FFF2-40B4-BE49-F238E27FC236}">
-                <a16:creationId xmlns:a16="http://schemas.microsoft.com/office/drawing/2014/main" id="{019273B0-1C7B-D445-B855-3ED89EEC5070}"/>
-              </a:ext>
-            </a:extLst>
-          </p:cNvPr>
-          <p:cNvSpPr>
-            <a:spLocks noGrp="1"/>
-          </p:cNvSpPr>
-          <p:nvPr>
-            <p:ph type="body" sz="quarter" idx="26"/>
-          </p:nvPr>
-        </p:nvSpPr>
-        <p:spPr/>
-        <p:txBody>
-          <a:bodyPr/>
-          <a:lstStyle/>
-          <a:p>
-            <a:endParaRPr lang="en-US" dirty="0"/>
-          </a:p>
-        </p:txBody>
-      </p:sp>
-      <p:sp>
-        <p:nvSpPr>
-          <p:cNvPr id="52" name="Oval 51" descr="Circle"/>
-          <p:cNvSpPr/>
-          <p:nvPr/>
-        </p:nvSpPr>
-        <p:spPr>
-          <a:xfrm>
-            <a:off x="7984434" y="1707874"/>
-            <a:ext cx="927652" cy="927652"/>
-          </a:xfrm>
-          <a:prstGeom prst="ellipse">
-            <a:avLst/>
-          </a:prstGeom>
-          <a:solidFill>
-            <a:srgbClr val="FFFFFF"/>
-          </a:solidFill>
-          <a:ln w="38100" cmpd="sng">
-            <a:solidFill>
-              <a:schemeClr val="accent6">
-                <a:lumMod val="50000"/>
-              </a:schemeClr>
-            </a:solidFill>
-            <a:tailEnd type="triangle" w="sm" len="sm"/>
-          </a:ln>
-          <a:effectLst/>
-        </p:spPr>
-        <p:style>
-          <a:lnRef idx="2">
-            <a:schemeClr val="accent1"/>
-          </a:lnRef>
-          <a:fillRef idx="0">
-            <a:schemeClr val="accent1"/>
-          </a:fillRef>
-          <a:effectRef idx="1">
-            <a:schemeClr val="accent1"/>
-          </a:effectRef>
-          <a:fontRef idx="minor">
-            <a:schemeClr val="tx1"/>
-          </a:fontRef>
-        </p:style>
-        <p:txBody>
-          <a:bodyPr lIns="0" tIns="0" rIns="0" bIns="0" rtlCol="0" anchor="ctr"/>
-          <a:lstStyle/>
-          <a:p>
-            <a:pPr algn="ctr">
-              <a:lnSpc>
-                <a:spcPct val="85000"/>
-              </a:lnSpc>
-            </a:pPr>
-            <a:endParaRPr lang="en-US" sz="1200" dirty="0">
-              <a:solidFill>
-                <a:srgbClr val="303030"/>
-              </a:solidFill>
-              <a:latin typeface="+mj-lt"/>
-              <a:cs typeface="Arial Narrow"/>
-            </a:endParaRPr>
-          </a:p>
-        </p:txBody>
-      </p:sp>
-      <p:sp>
-        <p:nvSpPr>
-          <p:cNvPr id="61" name="Text Placeholder 60">
-            <a:extLst>
-              <a:ext uri="{FF2B5EF4-FFF2-40B4-BE49-F238E27FC236}">
-                <a16:creationId xmlns:a16="http://schemas.microsoft.com/office/drawing/2014/main" id="{9EBE6EAD-93A2-6648-807A-FDA09859F809}"/>
-              </a:ext>
-            </a:extLst>
-          </p:cNvPr>
-          <p:cNvSpPr>
-            <a:spLocks noGrp="1"/>
-          </p:cNvSpPr>
-          <p:nvPr>
-            <p:ph type="body" sz="quarter" idx="28"/>
-          </p:nvPr>
-        </p:nvSpPr>
-        <p:spPr/>
-        <p:txBody>
-          <a:bodyPr/>
-          <a:lstStyle/>
-          <a:p>
-            <a:endParaRPr lang="en-US" dirty="0"/>
-          </a:p>
-        </p:txBody>
-      </p:sp>
-      <p:sp>
-        <p:nvSpPr>
-          <p:cNvPr id="53" name="Oval 52" descr="Circle"/>
-          <p:cNvSpPr/>
-          <p:nvPr/>
-        </p:nvSpPr>
-        <p:spPr>
-          <a:xfrm>
-            <a:off x="7984434" y="2698474"/>
-            <a:ext cx="927652" cy="927652"/>
-          </a:xfrm>
-          <a:prstGeom prst="ellipse">
-            <a:avLst/>
-          </a:prstGeom>
-          <a:solidFill>
-            <a:srgbClr val="FFFFFF"/>
-          </a:solidFill>
-          <a:ln w="38100" cmpd="sng">
-            <a:solidFill>
-              <a:schemeClr val="accent6">
-                <a:lumMod val="50000"/>
-              </a:schemeClr>
-            </a:solidFill>
-            <a:tailEnd type="triangle" w="sm" len="sm"/>
-          </a:ln>
-          <a:effectLst/>
-        </p:spPr>
-        <p:style>
-          <a:lnRef idx="2">
-            <a:schemeClr val="accent1"/>
-          </a:lnRef>
-          <a:fillRef idx="0">
-            <a:schemeClr val="accent1"/>
-          </a:fillRef>
-          <a:effectRef idx="1">
-            <a:schemeClr val="accent1"/>
-          </a:effectRef>
-          <a:fontRef idx="minor">
-            <a:schemeClr val="tx1"/>
-          </a:fontRef>
-        </p:style>
-        <p:txBody>
-          <a:bodyPr lIns="0" tIns="0" rIns="0" bIns="0" rtlCol="0" anchor="ctr"/>
-          <a:lstStyle/>
-          <a:p>
-            <a:pPr algn="ctr">
-              <a:lnSpc>
-                <a:spcPct val="85000"/>
-              </a:lnSpc>
-            </a:pPr>
-            <a:endParaRPr lang="en-US" sz="1200" dirty="0">
-              <a:solidFill>
-                <a:srgbClr val="303030"/>
-              </a:solidFill>
-              <a:latin typeface="+mj-lt"/>
-              <a:cs typeface="Arial Narrow"/>
-            </a:endParaRPr>
-          </a:p>
-        </p:txBody>
-      </p:sp>
-      <p:sp>
-        <p:nvSpPr>
-          <p:cNvPr id="60" name="Text Placeholder 59">
-            <a:extLst>
-              <a:ext uri="{FF2B5EF4-FFF2-40B4-BE49-F238E27FC236}">
-                <a16:creationId xmlns:a16="http://schemas.microsoft.com/office/drawing/2014/main" id="{84C29C40-6A21-0E4D-9A39-9DAFA06BC202}"/>
-              </a:ext>
-            </a:extLst>
-          </p:cNvPr>
-          <p:cNvSpPr>
-            <a:spLocks noGrp="1"/>
-          </p:cNvSpPr>
-          <p:nvPr>
-            <p:ph type="body" sz="quarter" idx="27"/>
-          </p:nvPr>
-        </p:nvSpPr>
-        <p:spPr/>
-        <p:txBody>
-          <a:bodyPr/>
-          <a:lstStyle/>
-          <a:p>
-            <a:endParaRPr lang="en-US" dirty="0"/>
-          </a:p>
-        </p:txBody>
-      </p:sp>
-      <p:sp>
-        <p:nvSpPr>
-          <p:cNvPr id="39" name="Text Placeholder 38">
-            <a:extLst>
-              <a:ext uri="{FF2B5EF4-FFF2-40B4-BE49-F238E27FC236}">
-                <a16:creationId xmlns:a16="http://schemas.microsoft.com/office/drawing/2014/main" id="{BE7DFB1A-8294-CA4B-B532-381A6C677443}"/>
-              </a:ext>
-            </a:extLst>
-          </p:cNvPr>
-          <p:cNvSpPr>
-            <a:spLocks noGrp="1"/>
-          </p:cNvSpPr>
-          <p:nvPr>
-            <p:ph type="body" sz="quarter" idx="17"/>
-          </p:nvPr>
-        </p:nvSpPr>
-        <p:spPr/>
-        <p:txBody>
-          <a:bodyPr>
-            <a:normAutofit fontScale="85000" lnSpcReduction="10000"/>
-          </a:bodyPr>
-          <a:lstStyle/>
-          <a:p>
-            <a:endParaRPr lang="en-US"/>
-          </a:p>
-        </p:txBody>
-      </p:sp>
-      <p:sp>
-        <p:nvSpPr>
-          <p:cNvPr id="40" name="Text Placeholder 39">
-            <a:extLst>
-              <a:ext uri="{FF2B5EF4-FFF2-40B4-BE49-F238E27FC236}">
-                <a16:creationId xmlns:a16="http://schemas.microsoft.com/office/drawing/2014/main" id="{563095E5-6D7E-5D46-9021-393F2856F7B4}"/>
-              </a:ext>
-            </a:extLst>
-          </p:cNvPr>
-          <p:cNvSpPr>
-            <a:spLocks noGrp="1"/>
-          </p:cNvSpPr>
-          <p:nvPr>
-            <p:ph type="body" sz="quarter" idx="18"/>
-          </p:nvPr>
-        </p:nvSpPr>
-        <p:spPr/>
-        <p:txBody>
-          <a:bodyPr/>
-          <a:lstStyle/>
-          <a:p>
-            <a:endParaRPr lang="en-US" dirty="0"/>
-          </a:p>
-        </p:txBody>
-      </p:sp>
-      <p:sp>
-        <p:nvSpPr>
-          <p:cNvPr id="54" name="Oval 53" descr="Circle"/>
-          <p:cNvSpPr/>
-          <p:nvPr/>
-        </p:nvSpPr>
-        <p:spPr>
-          <a:xfrm>
-            <a:off x="10045700" y="2203174"/>
-            <a:ext cx="927652" cy="927652"/>
-          </a:xfrm>
-          <a:prstGeom prst="ellipse">
-            <a:avLst/>
-          </a:prstGeom>
-          <a:solidFill>
-            <a:srgbClr val="FFFFFF"/>
-          </a:solidFill>
-          <a:ln w="38100" cmpd="sng">
-            <a:solidFill>
-              <a:schemeClr val="accent6">
-                <a:lumMod val="50000"/>
-              </a:schemeClr>
-            </a:solidFill>
-            <a:tailEnd type="triangle" w="sm" len="sm"/>
-          </a:ln>
-          <a:effectLst/>
-        </p:spPr>
-        <p:style>
-          <a:lnRef idx="2">
-            <a:schemeClr val="accent1"/>
-          </a:lnRef>
-          <a:fillRef idx="0">
-            <a:schemeClr val="accent1"/>
-          </a:fillRef>
-          <a:effectRef idx="1">
-            <a:schemeClr val="accent1"/>
-          </a:effectRef>
-          <a:fontRef idx="minor">
-            <a:schemeClr val="tx1"/>
-          </a:fontRef>
-        </p:style>
-        <p:txBody>
-          <a:bodyPr lIns="0" tIns="0" rIns="0" bIns="0" rtlCol="0" anchor="ctr"/>
-          <a:lstStyle/>
-          <a:p>
-            <a:pPr algn="ctr">
-              <a:lnSpc>
-                <a:spcPct val="85000"/>
-              </a:lnSpc>
-            </a:pPr>
-            <a:endParaRPr lang="en-US" sz="1200" dirty="0">
-              <a:solidFill>
-                <a:srgbClr val="303030"/>
-              </a:solidFill>
-              <a:latin typeface="+mj-lt"/>
-              <a:cs typeface="Arial Narrow"/>
-            </a:endParaRPr>
-          </a:p>
-        </p:txBody>
-      </p:sp>
-      <p:sp>
-        <p:nvSpPr>
-          <p:cNvPr id="62" name="Text Placeholder 61">
-            <a:extLst>
-              <a:ext uri="{FF2B5EF4-FFF2-40B4-BE49-F238E27FC236}">
-                <a16:creationId xmlns:a16="http://schemas.microsoft.com/office/drawing/2014/main" id="{5F61F642-B3AA-C049-99FC-873AD382CC43}"/>
-              </a:ext>
-            </a:extLst>
-          </p:cNvPr>
-          <p:cNvSpPr>
-            <a:spLocks noGrp="1"/>
-          </p:cNvSpPr>
-          <p:nvPr>
-            <p:ph type="body" sz="quarter" idx="29"/>
-          </p:nvPr>
-        </p:nvSpPr>
-        <p:spPr/>
-        <p:txBody>
-          <a:bodyPr/>
-          <a:lstStyle/>
-          <a:p>
-            <a:endParaRPr lang="en-US"/>
-          </a:p>
-        </p:txBody>
-      </p:sp>
-      <p:sp>
-        <p:nvSpPr>
-          <p:cNvPr id="32" name="Text Placeholder 31">
-            <a:extLst>
-              <a:ext uri="{FF2B5EF4-FFF2-40B4-BE49-F238E27FC236}">
-                <a16:creationId xmlns:a16="http://schemas.microsoft.com/office/drawing/2014/main" id="{D5E7F574-110B-C149-A5FD-5A93C59F26CC}"/>
-              </a:ext>
-            </a:extLst>
-          </p:cNvPr>
-          <p:cNvSpPr>
-            <a:spLocks noGrp="1"/>
-          </p:cNvSpPr>
-          <p:nvPr>
-            <p:ph type="body" sz="quarter" idx="10"/>
-          </p:nvPr>
-        </p:nvSpPr>
-        <p:spPr/>
-        <p:txBody>
-          <a:bodyPr/>
-          <a:lstStyle/>
-          <a:p>
-            <a:r>
-              <a:rPr lang="en-US" dirty="0">
-                <a:hlinkClick r:id="rId2"/>
-              </a:rPr>
-              <a:t>https://www.youtube.com/watch?v=w84uFSwulBI</a:t>
-            </a:r>
-            <a:endParaRPr lang="en-US" dirty="0"/>
-          </a:p>
-          <a:p>
-            <a:r>
-              <a:rPr lang="en-US" dirty="0">
-                <a:hlinkClick r:id="rId3"/>
-              </a:rPr>
-              <a:t>https://www.c-sharpcorner.com/article/rabbitmq-message-queue-using-net-core-6-web-api/</a:t>
-            </a:r>
-            <a:endParaRPr lang="en-US" dirty="0"/>
-          </a:p>
-          <a:p>
-            <a:endParaRPr lang="en-US" dirty="0"/>
-          </a:p>
-        </p:txBody>
-      </p:sp>
-    </p:spTree>
-    <p:extLst>
-      <p:ext uri="{BB962C8B-B14F-4D97-AF65-F5344CB8AC3E}">
-        <p14:creationId xmlns:p14="http://schemas.microsoft.com/office/powerpoint/2010/main" val="2209919994"/>
-      </p:ext>
-    </p:extLst>
-  </p:cSld>
-  <p:clrMapOvr>
-    <a:masterClrMapping/>
-  </p:clrMapOvr>
-</p:sld>
-</file>
-
-<file path=ppt/slides/slide2.xml><?xml version="1.0" encoding="utf-8"?>
-<p:sld xmlns:a="http://schemas.openxmlformats.org/drawingml/2006/main" xmlns:r="http://schemas.openxmlformats.org/officeDocument/2006/relationships" xmlns:p="http://schemas.openxmlformats.org/presentationml/2006/main">
-  <p:cSld>
-    <p:spTree>
-      <p:nvGrpSpPr>
-        <p:cNvPr id="1" name=""/>
-        <p:cNvGrpSpPr/>
-        <p:nvPr/>
-      </p:nvGrpSpPr>
-      <p:grpSpPr>
-        <a:xfrm>
-          <a:off x="0" y="0"/>
-          <a:ext cx="0" cy="0"/>
-          <a:chOff x="0" y="0"/>
-          <a:chExt cx="0" cy="0"/>
-        </a:xfrm>
-      </p:grpSpPr>
-      <p:sp>
-        <p:nvSpPr>
-          <p:cNvPr id="2" name="Title 1">
-            <a:extLst>
-              <a:ext uri="{FF2B5EF4-FFF2-40B4-BE49-F238E27FC236}">
                 <a16:creationId xmlns:a16="http://schemas.microsoft.com/office/drawing/2014/main" id="{FCEE2345-2F8B-08C7-360A-0AC0F46BB21B}"/>
               </a:ext>
             </a:extLst>
@@ -4209,7 +2961,7 @@
 </p:sld>
 </file>
 
-<file path=ppt/slides/slide3.xml><?xml version="1.0" encoding="utf-8"?>
+<file path=ppt/slides/slide2.xml><?xml version="1.0" encoding="utf-8"?>
 <p:sld xmlns:a="http://schemas.openxmlformats.org/drawingml/2006/main" xmlns:r="http://schemas.openxmlformats.org/officeDocument/2006/relationships" xmlns:p="http://schemas.openxmlformats.org/presentationml/2006/main">
   <p:cSld>
     <p:spTree>
@@ -4260,127 +3012,6 @@
     <p:extLst>
       <p:ext uri="{BB962C8B-B14F-4D97-AF65-F5344CB8AC3E}">
         <p14:creationId xmlns:p14="http://schemas.microsoft.com/office/powerpoint/2010/main" val="1848985974"/>
-      </p:ext>
-    </p:extLst>
-  </p:cSld>
-  <p:clrMapOvr>
-    <a:masterClrMapping/>
-  </p:clrMapOvr>
-</p:sld>
-</file>
-
-<file path=ppt/slides/slide4.xml><?xml version="1.0" encoding="utf-8"?>
-<p:sld xmlns:a="http://schemas.openxmlformats.org/drawingml/2006/main" xmlns:r="http://schemas.openxmlformats.org/officeDocument/2006/relationships" xmlns:p="http://schemas.openxmlformats.org/presentationml/2006/main">
-  <p:cSld>
-    <p:bg>
-      <p:bgPr>
-        <a:solidFill>
-          <a:srgbClr val="A6A6A6"/>
-        </a:solidFill>
-        <a:effectLst/>
-      </p:bgPr>
-    </p:bg>
-    <p:spTree>
-      <p:nvGrpSpPr>
-        <p:cNvPr id="1" name=""/>
-        <p:cNvGrpSpPr/>
-        <p:nvPr/>
-      </p:nvGrpSpPr>
-      <p:grpSpPr>
-        <a:xfrm>
-          <a:off x="0" y="0"/>
-          <a:ext cx="0" cy="0"/>
-          <a:chOff x="0" y="0"/>
-          <a:chExt cx="0" cy="0"/>
-        </a:xfrm>
-      </p:grpSpPr>
-      <p:sp>
-        <p:nvSpPr>
-          <p:cNvPr id="5" name="Title 4">
-            <a:extLst>
-              <a:ext uri="{FF2B5EF4-FFF2-40B4-BE49-F238E27FC236}">
-                <a16:creationId xmlns:a16="http://schemas.microsoft.com/office/drawing/2014/main" id="{57F74D85-581C-4BA1-AFD7-C045649518CA}"/>
-              </a:ext>
-            </a:extLst>
-          </p:cNvPr>
-          <p:cNvSpPr>
-            <a:spLocks noGrp="1"/>
-          </p:cNvSpPr>
-          <p:nvPr>
-            <p:ph type="title"/>
-          </p:nvPr>
-        </p:nvSpPr>
-        <p:spPr/>
-        <p:txBody>
-          <a:bodyPr/>
-          <a:lstStyle/>
-          <a:p>
-            <a:r>
-              <a:rPr lang="en-US" dirty="0"/>
-              <a:t>Customize this Template</a:t>
-            </a:r>
-          </a:p>
-        </p:txBody>
-      </p:sp>
-      <p:sp>
-        <p:nvSpPr>
-          <p:cNvPr id="6" name="Text Placeholder 5">
-            <a:extLst>
-              <a:ext uri="{FF2B5EF4-FFF2-40B4-BE49-F238E27FC236}">
-                <a16:creationId xmlns:a16="http://schemas.microsoft.com/office/drawing/2014/main" id="{9150A705-5D5E-45FB-AA4C-76C816F18ED9}"/>
-              </a:ext>
-            </a:extLst>
-          </p:cNvPr>
-          <p:cNvSpPr>
-            <a:spLocks noGrp="1"/>
-          </p:cNvSpPr>
-          <p:nvPr>
-            <p:ph type="body" sz="quarter" idx="13"/>
-          </p:nvPr>
-        </p:nvSpPr>
-        <p:spPr/>
-        <p:txBody>
-          <a:bodyPr/>
-          <a:lstStyle/>
-          <a:p>
-            <a:r>
-              <a:rPr lang="en-US" sz="3599" b="1" dirty="0">
-                <a:cs typeface="Arial" panose="020B0604020202020204" pitchFamily="34" charset="0"/>
-                <a:hlinkClick r:id="rId2">
-                  <a:extLst>
-                    <a:ext uri="{A12FA001-AC4F-418D-AE19-62706E023703}">
-                      <ahyp:hlinkClr xmlns:ahyp="http://schemas.microsoft.com/office/drawing/2018/hyperlinkcolor" val="tx"/>
-                    </a:ext>
-                  </a:extLst>
-                </a:hlinkClick>
-              </a:rPr>
-              <a:t>Template editing instructions </a:t>
-            </a:r>
-          </a:p>
-          <a:p>
-            <a:r>
-              <a:rPr lang="en-US" sz="3599" b="1" dirty="0">
-                <a:cs typeface="Arial" panose="020B0604020202020204" pitchFamily="34" charset="0"/>
-                <a:hlinkClick r:id="rId2">
-                  <a:extLst>
-                    <a:ext uri="{A12FA001-AC4F-418D-AE19-62706E023703}">
-                      <ahyp:hlinkClr xmlns:ahyp="http://schemas.microsoft.com/office/drawing/2018/hyperlinkcolor" val="tx"/>
-                    </a:ext>
-                  </a:extLst>
-                </a:hlinkClick>
-              </a:rPr>
-              <a:t>and feedback</a:t>
-            </a:r>
-            <a:endParaRPr lang="en-US" sz="3599" b="1" dirty="0">
-              <a:cs typeface="Arial" panose="020B0604020202020204" pitchFamily="34" charset="0"/>
-            </a:endParaRPr>
-          </a:p>
-        </p:txBody>
-      </p:sp>
-    </p:spTree>
-    <p:extLst>
-      <p:ext uri="{BB962C8B-B14F-4D97-AF65-F5344CB8AC3E}">
-        <p14:creationId xmlns:p14="http://schemas.microsoft.com/office/powerpoint/2010/main" val="917409932"/>
       </p:ext>
     </p:extLst>
   </p:cSld>
